--- a/An Introduction to the tidyverse - Course Summary.pptx
+++ b/An Introduction to the tidyverse - Course Summary.pptx
@@ -113,6 +113,11 @@
       </a:defRPr>
     </a:lvl9pPr>
   </p:defaultTextStyle>
+  <p:extLst>
+    <p:ext uri="{EFAFB233-063F-42B5-8137-9DF3F51BA10A}">
+      <p15:sldGuideLst xmlns:p15="http://schemas.microsoft.com/office/powerpoint/2012/main"/>
+    </p:ext>
+  </p:extLst>
 </p:presentation>
 </file>
 
@@ -341,7 +346,7 @@
             <a:fld id="{5586B75A-687E-405C-8A0B-8D00578BA2C3}" type="datetimeFigureOut">
               <a:rPr lang="en-US" dirty="0"/>
               <a:pPr/>
-              <a:t>9/9/2019</a:t>
+              <a:t>11/11/2019</a:t>
             </a:fld>
             <a:endParaRPr lang="en-US" dirty="0"/>
           </a:p>
@@ -508,7 +513,7 @@
             <a:fld id="{5586B75A-687E-405C-8A0B-8D00578BA2C3}" type="datetimeFigureOut">
               <a:rPr lang="en-US" dirty="0"/>
               <a:pPr/>
-              <a:t>9/9/2019</a:t>
+              <a:t>11/11/2019</a:t>
             </a:fld>
             <a:endParaRPr lang="en-US" dirty="0"/>
           </a:p>
@@ -685,7 +690,7 @@
             <a:fld id="{5586B75A-687E-405C-8A0B-8D00578BA2C3}" type="datetimeFigureOut">
               <a:rPr lang="en-US" dirty="0"/>
               <a:pPr/>
-              <a:t>9/9/2019</a:t>
+              <a:t>11/11/2019</a:t>
             </a:fld>
             <a:endParaRPr lang="en-US" dirty="0"/>
           </a:p>
@@ -852,7 +857,7 @@
             <a:fld id="{5586B75A-687E-405C-8A0B-8D00578BA2C3}" type="datetimeFigureOut">
               <a:rPr lang="en-US" dirty="0"/>
               <a:pPr/>
-              <a:t>9/9/2019</a:t>
+              <a:t>11/11/2019</a:t>
             </a:fld>
             <a:endParaRPr lang="en-US" dirty="0"/>
           </a:p>
@@ -1107,7 +1112,7 @@
             <a:fld id="{5586B75A-687E-405C-8A0B-8D00578BA2C3}" type="datetimeFigureOut">
               <a:rPr lang="en-US" dirty="0"/>
               <a:pPr/>
-              <a:t>9/9/2019</a:t>
+              <a:t>11/11/2019</a:t>
             </a:fld>
             <a:endParaRPr lang="en-US" dirty="0"/>
           </a:p>
@@ -1392,7 +1397,7 @@
             <a:fld id="{5586B75A-687E-405C-8A0B-8D00578BA2C3}" type="datetimeFigureOut">
               <a:rPr lang="en-US" dirty="0"/>
               <a:pPr/>
-              <a:t>9/9/2019</a:t>
+              <a:t>11/11/2019</a:t>
             </a:fld>
             <a:endParaRPr lang="en-US" dirty="0"/>
           </a:p>
@@ -1831,7 +1836,7 @@
             <a:fld id="{5586B75A-687E-405C-8A0B-8D00578BA2C3}" type="datetimeFigureOut">
               <a:rPr lang="en-US" dirty="0"/>
               <a:pPr/>
-              <a:t>9/9/2019</a:t>
+              <a:t>11/11/2019</a:t>
             </a:fld>
             <a:endParaRPr lang="en-US" dirty="0"/>
           </a:p>
@@ -1946,7 +1951,7 @@
             <a:fld id="{5586B75A-687E-405C-8A0B-8D00578BA2C3}" type="datetimeFigureOut">
               <a:rPr lang="en-US" dirty="0"/>
               <a:pPr/>
-              <a:t>9/9/2019</a:t>
+              <a:t>11/11/2019</a:t>
             </a:fld>
             <a:endParaRPr lang="en-US" dirty="0"/>
           </a:p>
@@ -2038,7 +2043,7 @@
             <a:fld id="{5586B75A-687E-405C-8A0B-8D00578BA2C3}" type="datetimeFigureOut">
               <a:rPr lang="en-US" dirty="0"/>
               <a:pPr/>
-              <a:t>9/9/2019</a:t>
+              <a:t>11/11/2019</a:t>
             </a:fld>
             <a:endParaRPr lang="en-US" dirty="0"/>
           </a:p>
@@ -2323,7 +2328,7 @@
             <a:fld id="{5586B75A-687E-405C-8A0B-8D00578BA2C3}" type="datetimeFigureOut">
               <a:rPr lang="en-US" dirty="0"/>
               <a:pPr/>
-              <a:t>9/9/2019</a:t>
+              <a:t>11/11/2019</a:t>
             </a:fld>
             <a:endParaRPr lang="en-US" dirty="0"/>
           </a:p>
@@ -2593,7 +2598,7 @@
             <a:fld id="{5586B75A-687E-405C-8A0B-8D00578BA2C3}" type="datetimeFigureOut">
               <a:rPr lang="en-US" dirty="0"/>
               <a:pPr/>
-              <a:t>9/9/2019</a:t>
+              <a:t>11/11/2019</a:t>
             </a:fld>
             <a:endParaRPr lang="en-US" dirty="0"/>
           </a:p>
@@ -2887,7 +2892,7 @@
             <a:fld id="{5586B75A-687E-405C-8A0B-8D00578BA2C3}" type="datetimeFigureOut">
               <a:rPr lang="en-US" dirty="0"/>
               <a:pPr/>
-              <a:t>9/9/2019</a:t>
+              <a:t>11/11/2019</a:t>
             </a:fld>
             <a:endParaRPr lang="en-US" dirty="0"/>
           </a:p>
@@ -3395,7 +3400,7 @@
             </a:r>
             <a:r>
               <a:rPr lang="en-GB" sz="4000" dirty="0" err="1"/>
-              <a:t>tidyverse</a:t>
+              <a:t>Tidyverse</a:t>
             </a:r>
             <a:endParaRPr lang="en-GB" sz="4000" dirty="0"/>
           </a:p>
